--- a/Nuclear_Fuel_Performance/NE591_Spring2020/Lec4_reactor_systems.pptx
+++ b/Nuclear_Fuel_Performance/NE591_Spring2020/Lec4_reactor_systems.pptx
@@ -303,7 +303,7 @@
               <a:pPr>
                 <a:defRPr/>
               </a:pPr>
-              <a:t>1/7/20</a:t>
+              <a:t>1/8/20</a:t>
             </a:fld>
             <a:endParaRPr lang="en-US"/>
           </a:p>
@@ -499,7 +499,7 @@
               <a:pPr>
                 <a:defRPr/>
               </a:pPr>
-              <a:t>1/7/20</a:t>
+              <a:t>1/8/20</a:t>
             </a:fld>
             <a:endParaRPr lang="en-US"/>
           </a:p>
@@ -704,7 +704,7 @@
               <a:pPr>
                 <a:defRPr/>
               </a:pPr>
-              <a:t>1/7/20</a:t>
+              <a:t>1/8/20</a:t>
             </a:fld>
             <a:endParaRPr lang="en-US"/>
           </a:p>
@@ -906,7 +906,7 @@
               <a:pPr>
                 <a:defRPr/>
               </a:pPr>
-              <a:t>1/7/20</a:t>
+              <a:t>1/8/20</a:t>
             </a:fld>
             <a:endParaRPr lang="en-US"/>
           </a:p>
@@ -1179,7 +1179,7 @@
               <a:pPr>
                 <a:defRPr/>
               </a:pPr>
-              <a:t>1/7/20</a:t>
+              <a:t>1/8/20</a:t>
             </a:fld>
             <a:endParaRPr lang="en-US"/>
           </a:p>
@@ -1493,7 +1493,7 @@
               <a:pPr>
                 <a:defRPr/>
               </a:pPr>
-              <a:t>1/7/20</a:t>
+              <a:t>1/8/20</a:t>
             </a:fld>
             <a:endParaRPr lang="en-US"/>
           </a:p>
@@ -1939,7 +1939,7 @@
               <a:pPr>
                 <a:defRPr/>
               </a:pPr>
-              <a:t>1/7/20</a:t>
+              <a:t>1/8/20</a:t>
             </a:fld>
             <a:endParaRPr lang="en-US"/>
           </a:p>
@@ -2083,7 +2083,7 @@
               <a:pPr>
                 <a:defRPr/>
               </a:pPr>
-              <a:t>1/7/20</a:t>
+              <a:t>1/8/20</a:t>
             </a:fld>
             <a:endParaRPr lang="en-US"/>
           </a:p>
@@ -2205,7 +2205,7 @@
               <a:pPr>
                 <a:defRPr/>
               </a:pPr>
-              <a:t>1/7/20</a:t>
+              <a:t>1/8/20</a:t>
             </a:fld>
             <a:endParaRPr lang="en-US"/>
           </a:p>
@@ -2507,7 +2507,7 @@
               <a:pPr>
                 <a:defRPr/>
               </a:pPr>
-              <a:t>1/7/20</a:t>
+              <a:t>1/8/20</a:t>
             </a:fld>
             <a:endParaRPr lang="en-US"/>
           </a:p>
@@ -2794,7 +2794,7 @@
               <a:pPr>
                 <a:defRPr/>
               </a:pPr>
-              <a:t>1/7/20</a:t>
+              <a:t>1/8/20</a:t>
             </a:fld>
             <a:endParaRPr lang="en-US"/>
           </a:p>
@@ -2935,7 +2935,7 @@
               </a14:hiddenLine>
             </a:ext>
             <a:ext uri="{FAA26D3D-D897-4be2-8F04-BA451C77F1D7}">
-              <ma14:placeholderFlag xmlns="" xmlns:ma14="http://schemas.microsoft.com/office/mac/drawingml/2011/main" val="1"/>
+              <ma14:placeholderFlag xmlns:ma14="http://schemas.microsoft.com/office/mac/drawingml/2011/main" xmlns="" val="1"/>
             </a:ext>
           </a:extLst>
         </p:spPr>
@@ -3003,7 +3003,7 @@
               </a14:hiddenLine>
             </a:ext>
             <a:ext uri="{FAA26D3D-D897-4be2-8F04-BA451C77F1D7}">
-              <ma14:placeholderFlag xmlns="" xmlns:ma14="http://schemas.microsoft.com/office/mac/drawingml/2011/main" val="1"/>
+              <ma14:placeholderFlag xmlns:ma14="http://schemas.microsoft.com/office/mac/drawingml/2011/main" xmlns="" val="1"/>
             </a:ext>
           </a:extLst>
         </p:spPr>
@@ -3102,7 +3102,7 @@
               <a:pPr>
                 <a:defRPr/>
               </a:pPr>
-              <a:t>1/7/20</a:t>
+              <a:t>1/8/20</a:t>
             </a:fld>
             <a:endParaRPr lang="en-US" dirty="0"/>
           </a:p>
